--- a/WalkingOnACloud.pptx
+++ b/WalkingOnACloud.pptx
@@ -215,7 +215,7 @@
           <a:p>
             <a:fld id="{0488DA73-A535-DC46-B8C5-F4A02902A521}" type="datetimeFigureOut">
               <a:rPr lang="en-US" smtClean="0"/>
-              <a:t>7/30/18</a:t>
+              <a:t>8/1/18</a:t>
             </a:fld>
             <a:endParaRPr lang="en-US"/>
           </a:p>
@@ -380,7 +380,7 @@
           <a:p>
             <a:fld id="{C1A68B97-3BD1-B141-9152-CEDA376B6996}" type="datetimeFigureOut">
               <a:rPr lang="en-US" smtClean="0"/>
-              <a:t>7/30/18</a:t>
+              <a:t>8/1/18</a:t>
             </a:fld>
             <a:endParaRPr lang="en-US"/>
           </a:p>
@@ -840,7 +840,7 @@
           <p:cNvPr id="2" name="Picture 1">
             <a:extLst>
               <a:ext uri="{FF2B5EF4-FFF2-40B4-BE49-F238E27FC236}">
-                <a16:creationId xmlns:a16="http://schemas.microsoft.com/office/drawing/2014/main" xmlns="" id="{4E8AD3A4-4820-2E4C-81E4-896B1249D970}"/>
+                <a16:creationId xmlns="" xmlns:a16="http://schemas.microsoft.com/office/drawing/2014/main" id="{4E8AD3A4-4820-2E4C-81E4-896B1249D970}"/>
               </a:ext>
             </a:extLst>
           </p:cNvPr>
@@ -978,7 +978,7 @@
           <p:cNvPr id="8" name="Picture 7">
             <a:extLst>
               <a:ext uri="{FF2B5EF4-FFF2-40B4-BE49-F238E27FC236}">
-                <a16:creationId xmlns:a16="http://schemas.microsoft.com/office/drawing/2014/main" xmlns="" id="{B8E4642F-355E-664A-A9CD-33E1EB58A2C6}"/>
+                <a16:creationId xmlns="" xmlns:a16="http://schemas.microsoft.com/office/drawing/2014/main" id="{B8E4642F-355E-664A-A9CD-33E1EB58A2C6}"/>
               </a:ext>
             </a:extLst>
           </p:cNvPr>
@@ -1116,7 +1116,7 @@
           <p:cNvPr id="8" name="Picture 7">
             <a:extLst>
               <a:ext uri="{FF2B5EF4-FFF2-40B4-BE49-F238E27FC236}">
-                <a16:creationId xmlns:a16="http://schemas.microsoft.com/office/drawing/2014/main" xmlns="" id="{B57F4BB2-9BD7-B041-A214-166A0900F663}"/>
+                <a16:creationId xmlns="" xmlns:a16="http://schemas.microsoft.com/office/drawing/2014/main" id="{B57F4BB2-9BD7-B041-A214-166A0900F663}"/>
               </a:ext>
             </a:extLst>
           </p:cNvPr>
@@ -1450,7 +1450,7 @@
           <p:cNvPr id="15" name="Picture 14">
             <a:extLst>
               <a:ext uri="{FF2B5EF4-FFF2-40B4-BE49-F238E27FC236}">
-                <a16:creationId xmlns:a16="http://schemas.microsoft.com/office/drawing/2014/main" xmlns="" id="{0D741E29-6654-7641-9F4A-7634C9100D18}"/>
+                <a16:creationId xmlns="" xmlns:a16="http://schemas.microsoft.com/office/drawing/2014/main" id="{0D741E29-6654-7641-9F4A-7634C9100D18}"/>
               </a:ext>
             </a:extLst>
           </p:cNvPr>
@@ -1655,7 +1655,7 @@
           <p:cNvPr id="10" name="Picture 9">
             <a:extLst>
               <a:ext uri="{FF2B5EF4-FFF2-40B4-BE49-F238E27FC236}">
-                <a16:creationId xmlns:a16="http://schemas.microsoft.com/office/drawing/2014/main" xmlns="" id="{01170A6D-B769-7A49-9882-D0F683441149}"/>
+                <a16:creationId xmlns="" xmlns:a16="http://schemas.microsoft.com/office/drawing/2014/main" id="{01170A6D-B769-7A49-9882-D0F683441149}"/>
               </a:ext>
             </a:extLst>
           </p:cNvPr>
@@ -1885,7 +1885,7 @@
           <p:cNvPr id="11" name="Picture 10">
             <a:extLst>
               <a:ext uri="{FF2B5EF4-FFF2-40B4-BE49-F238E27FC236}">
-                <a16:creationId xmlns:a16="http://schemas.microsoft.com/office/drawing/2014/main" xmlns="" id="{1A171147-79C9-6043-B278-C8CFA84D1A03}"/>
+                <a16:creationId xmlns="" xmlns:a16="http://schemas.microsoft.com/office/drawing/2014/main" id="{1A171147-79C9-6043-B278-C8CFA84D1A03}"/>
               </a:ext>
             </a:extLst>
           </p:cNvPr>
@@ -2115,7 +2115,7 @@
           <p:cNvPr id="11" name="Picture 10">
             <a:extLst>
               <a:ext uri="{FF2B5EF4-FFF2-40B4-BE49-F238E27FC236}">
-                <a16:creationId xmlns:a16="http://schemas.microsoft.com/office/drawing/2014/main" xmlns="" id="{03B86F26-866C-7A4B-ADCA-5A1C7AC27F6F}"/>
+                <a16:creationId xmlns="" xmlns:a16="http://schemas.microsoft.com/office/drawing/2014/main" id="{03B86F26-866C-7A4B-ADCA-5A1C7AC27F6F}"/>
               </a:ext>
             </a:extLst>
           </p:cNvPr>
@@ -2331,7 +2331,7 @@
           <p:cNvPr id="9" name="Picture 8">
             <a:extLst>
               <a:ext uri="{FF2B5EF4-FFF2-40B4-BE49-F238E27FC236}">
-                <a16:creationId xmlns:a16="http://schemas.microsoft.com/office/drawing/2014/main" xmlns="" id="{6608AB9F-C159-5543-B3DB-448627E3E90C}"/>
+                <a16:creationId xmlns="" xmlns:a16="http://schemas.microsoft.com/office/drawing/2014/main" id="{6608AB9F-C159-5543-B3DB-448627E3E90C}"/>
               </a:ext>
             </a:extLst>
           </p:cNvPr>
@@ -2546,7 +2546,7 @@
           <p:cNvPr id="10" name="Picture 9">
             <a:extLst>
               <a:ext uri="{FF2B5EF4-FFF2-40B4-BE49-F238E27FC236}">
-                <a16:creationId xmlns:a16="http://schemas.microsoft.com/office/drawing/2014/main" xmlns="" id="{978B0387-327A-3743-A424-3F90CB1899E3}"/>
+                <a16:creationId xmlns="" xmlns:a16="http://schemas.microsoft.com/office/drawing/2014/main" id="{978B0387-327A-3743-A424-3F90CB1899E3}"/>
               </a:ext>
             </a:extLst>
           </p:cNvPr>
@@ -2680,7 +2680,7 @@
           <p:cNvPr id="9" name="Picture 8">
             <a:extLst>
               <a:ext uri="{FF2B5EF4-FFF2-40B4-BE49-F238E27FC236}">
-                <a16:creationId xmlns:a16="http://schemas.microsoft.com/office/drawing/2014/main" xmlns="" id="{814CFF10-6112-1244-8A99-D935AF3B1384}"/>
+                <a16:creationId xmlns="" xmlns:a16="http://schemas.microsoft.com/office/drawing/2014/main" id="{814CFF10-6112-1244-8A99-D935AF3B1384}"/>
               </a:ext>
             </a:extLst>
           </p:cNvPr>
@@ -2900,7 +2900,7 @@
           <p:cNvPr id="9" name="Picture 8">
             <a:extLst>
               <a:ext uri="{FF2B5EF4-FFF2-40B4-BE49-F238E27FC236}">
-                <a16:creationId xmlns:a16="http://schemas.microsoft.com/office/drawing/2014/main" xmlns="" id="{04CBB4AC-DEA7-464C-B58E-6046FFC1A96D}"/>
+                <a16:creationId xmlns="" xmlns:a16="http://schemas.microsoft.com/office/drawing/2014/main" id="{04CBB4AC-DEA7-464C-B58E-6046FFC1A96D}"/>
               </a:ext>
             </a:extLst>
           </p:cNvPr>
@@ -3057,7 +3057,7 @@
           <p:cNvPr id="8" name="Picture 7">
             <a:extLst>
               <a:ext uri="{FF2B5EF4-FFF2-40B4-BE49-F238E27FC236}">
-                <a16:creationId xmlns:a16="http://schemas.microsoft.com/office/drawing/2014/main" xmlns="" id="{E9661887-F157-D949-9319-E2E64ED80EA0}"/>
+                <a16:creationId xmlns="" xmlns:a16="http://schemas.microsoft.com/office/drawing/2014/main" id="{E9661887-F157-D949-9319-E2E64ED80EA0}"/>
               </a:ext>
             </a:extLst>
           </p:cNvPr>
@@ -3259,7 +3259,7 @@
           <p:cNvPr id="13" name="Picture 12">
             <a:extLst>
               <a:ext uri="{FF2B5EF4-FFF2-40B4-BE49-F238E27FC236}">
-                <a16:creationId xmlns:a16="http://schemas.microsoft.com/office/drawing/2014/main" xmlns="" id="{0C565D37-86FA-FA4F-8D56-91174A74D0BA}"/>
+                <a16:creationId xmlns="" xmlns:a16="http://schemas.microsoft.com/office/drawing/2014/main" id="{0C565D37-86FA-FA4F-8D56-91174A74D0BA}"/>
               </a:ext>
             </a:extLst>
           </p:cNvPr>
@@ -3289,7 +3289,7 @@
           <p:cNvPr id="15" name="Picture 14">
             <a:extLst>
               <a:ext uri="{FF2B5EF4-FFF2-40B4-BE49-F238E27FC236}">
-                <a16:creationId xmlns:a16="http://schemas.microsoft.com/office/drawing/2014/main" xmlns="" id="{C4C0D975-D056-D741-8AD2-409B9639F315}"/>
+                <a16:creationId xmlns="" xmlns:a16="http://schemas.microsoft.com/office/drawing/2014/main" id="{C4C0D975-D056-D741-8AD2-409B9639F315}"/>
               </a:ext>
             </a:extLst>
           </p:cNvPr>
@@ -3433,7 +3433,7 @@
           <p:cNvPr id="9" name="Picture 8">
             <a:extLst>
               <a:ext uri="{FF2B5EF4-FFF2-40B4-BE49-F238E27FC236}">
-                <a16:creationId xmlns:a16="http://schemas.microsoft.com/office/drawing/2014/main" xmlns="" id="{F9202581-C315-EA4A-9096-609DBDA28C3E}"/>
+                <a16:creationId xmlns="" xmlns:a16="http://schemas.microsoft.com/office/drawing/2014/main" id="{F9202581-C315-EA4A-9096-609DBDA28C3E}"/>
               </a:ext>
             </a:extLst>
           </p:cNvPr>
@@ -3787,7 +3787,7 @@
           <p:cNvPr id="7" name="Picture 6">
             <a:extLst>
               <a:ext uri="{FF2B5EF4-FFF2-40B4-BE49-F238E27FC236}">
-                <a16:creationId xmlns:a16="http://schemas.microsoft.com/office/drawing/2014/main" xmlns="" id="{BE4562FB-EFBC-944E-B1E7-63D2E9450807}"/>
+                <a16:creationId xmlns="" xmlns:a16="http://schemas.microsoft.com/office/drawing/2014/main" id="{BE4562FB-EFBC-944E-B1E7-63D2E9450807}"/>
               </a:ext>
             </a:extLst>
           </p:cNvPr>
@@ -4289,7 +4289,7 @@
           <p:cNvPr id="10" name="Picture 9">
             <a:extLst>
               <a:ext uri="{FF2B5EF4-FFF2-40B4-BE49-F238E27FC236}">
-                <a16:creationId xmlns:a16="http://schemas.microsoft.com/office/drawing/2014/main" xmlns="" id="{2CFF9F5A-5293-8942-AAB5-9D45875341AC}"/>
+                <a16:creationId xmlns="" xmlns:a16="http://schemas.microsoft.com/office/drawing/2014/main" id="{2CFF9F5A-5293-8942-AAB5-9D45875341AC}"/>
               </a:ext>
             </a:extLst>
           </p:cNvPr>
@@ -4444,7 +4444,7 @@
           <p:cNvPr id="8" name="Picture 7">
             <a:extLst>
               <a:ext uri="{FF2B5EF4-FFF2-40B4-BE49-F238E27FC236}">
-                <a16:creationId xmlns:a16="http://schemas.microsoft.com/office/drawing/2014/main" xmlns="" id="{4B8CAA46-5E98-4C49-9905-9F7CE5B24227}"/>
+                <a16:creationId xmlns="" xmlns:a16="http://schemas.microsoft.com/office/drawing/2014/main" id="{4B8CAA46-5E98-4C49-9905-9F7CE5B24227}"/>
               </a:ext>
             </a:extLst>
           </p:cNvPr>
@@ -4710,7 +4710,7 @@
           <p:cNvPr id="12" name="Picture 11">
             <a:extLst>
               <a:ext uri="{FF2B5EF4-FFF2-40B4-BE49-F238E27FC236}">
-                <a16:creationId xmlns:a16="http://schemas.microsoft.com/office/drawing/2014/main" xmlns="" id="{40747ADB-B349-4C43-9E3D-06BB1D87F12A}"/>
+                <a16:creationId xmlns="" xmlns:a16="http://schemas.microsoft.com/office/drawing/2014/main" id="{40747ADB-B349-4C43-9E3D-06BB1D87F12A}"/>
               </a:ext>
             </a:extLst>
           </p:cNvPr>
@@ -4960,7 +4960,7 @@
           <p:cNvPr id="12" name="Picture 11">
             <a:extLst>
               <a:ext uri="{FF2B5EF4-FFF2-40B4-BE49-F238E27FC236}">
-                <a16:creationId xmlns:a16="http://schemas.microsoft.com/office/drawing/2014/main" xmlns="" id="{4BF4FB9F-31B1-014E-ACEB-E0666E3949A1}"/>
+                <a16:creationId xmlns="" xmlns:a16="http://schemas.microsoft.com/office/drawing/2014/main" id="{4BF4FB9F-31B1-014E-ACEB-E0666E3949A1}"/>
               </a:ext>
             </a:extLst>
           </p:cNvPr>
@@ -5445,7 +5445,7 @@
           <p:cNvPr id="14" name="Picture 13">
             <a:extLst>
               <a:ext uri="{FF2B5EF4-FFF2-40B4-BE49-F238E27FC236}">
-                <a16:creationId xmlns:a16="http://schemas.microsoft.com/office/drawing/2014/main" xmlns="" id="{6F8271C7-2F8A-244C-864B-70E9C6CD1F9F}"/>
+                <a16:creationId xmlns="" xmlns:a16="http://schemas.microsoft.com/office/drawing/2014/main" id="{6F8271C7-2F8A-244C-864B-70E9C6CD1F9F}"/>
               </a:ext>
             </a:extLst>
           </p:cNvPr>
@@ -5671,7 +5671,7 @@
           <p:cNvPr id="11" name="Picture 10">
             <a:extLst>
               <a:ext uri="{FF2B5EF4-FFF2-40B4-BE49-F238E27FC236}">
-                <a16:creationId xmlns:a16="http://schemas.microsoft.com/office/drawing/2014/main" xmlns="" id="{314DF534-E906-3B4F-B106-60DEC44E0F95}"/>
+                <a16:creationId xmlns="" xmlns:a16="http://schemas.microsoft.com/office/drawing/2014/main" id="{314DF534-E906-3B4F-B106-60DEC44E0F95}"/>
               </a:ext>
             </a:extLst>
           </p:cNvPr>
@@ -6173,7 +6173,7 @@
           <p:cNvPr id="10" name="Picture 9">
             <a:extLst>
               <a:ext uri="{FF2B5EF4-FFF2-40B4-BE49-F238E27FC236}">
-                <a16:creationId xmlns:a16="http://schemas.microsoft.com/office/drawing/2014/main" xmlns="" id="{337688BA-59BE-6043-8BEF-22613AC106A5}"/>
+                <a16:creationId xmlns="" xmlns:a16="http://schemas.microsoft.com/office/drawing/2014/main" id="{337688BA-59BE-6043-8BEF-22613AC106A5}"/>
               </a:ext>
             </a:extLst>
           </p:cNvPr>
@@ -6338,7 +6338,7 @@
           <p:cNvPr id="10" name="Picture 9">
             <a:extLst>
               <a:ext uri="{FF2B5EF4-FFF2-40B4-BE49-F238E27FC236}">
-                <a16:creationId xmlns:a16="http://schemas.microsoft.com/office/drawing/2014/main" xmlns="" id="{BE9C2C8D-F0F1-7449-832C-45885E7AD173}"/>
+                <a16:creationId xmlns="" xmlns:a16="http://schemas.microsoft.com/office/drawing/2014/main" id="{BE9C2C8D-F0F1-7449-832C-45885E7AD173}"/>
               </a:ext>
             </a:extLst>
           </p:cNvPr>
@@ -6476,7 +6476,7 @@
           <p:cNvPr id="8" name="Picture 7">
             <a:extLst>
               <a:ext uri="{FF2B5EF4-FFF2-40B4-BE49-F238E27FC236}">
-                <a16:creationId xmlns:a16="http://schemas.microsoft.com/office/drawing/2014/main" xmlns="" id="{31D3FBC8-7EB9-8A4D-8FF4-6C45869C0953}"/>
+                <a16:creationId xmlns="" xmlns:a16="http://schemas.microsoft.com/office/drawing/2014/main" id="{31D3FBC8-7EB9-8A4D-8FF4-6C45869C0953}"/>
               </a:ext>
             </a:extLst>
           </p:cNvPr>
@@ -6614,7 +6614,7 @@
           <p:cNvPr id="8" name="Picture 7">
             <a:extLst>
               <a:ext uri="{FF2B5EF4-FFF2-40B4-BE49-F238E27FC236}">
-                <a16:creationId xmlns:a16="http://schemas.microsoft.com/office/drawing/2014/main" xmlns="" id="{7D449DC5-A4C7-004F-B6D3-A385FAA302C2}"/>
+                <a16:creationId xmlns="" xmlns:a16="http://schemas.microsoft.com/office/drawing/2014/main" id="{7D449DC5-A4C7-004F-B6D3-A385FAA302C2}"/>
               </a:ext>
             </a:extLst>
           </p:cNvPr>
@@ -6957,7 +6957,7 @@
           <p:cNvPr id="15" name="Picture 14">
             <a:extLst>
               <a:ext uri="{FF2B5EF4-FFF2-40B4-BE49-F238E27FC236}">
-                <a16:creationId xmlns:a16="http://schemas.microsoft.com/office/drawing/2014/main" xmlns="" id="{14B4C17A-D322-9344-A228-3D8313C78F80}"/>
+                <a16:creationId xmlns="" xmlns:a16="http://schemas.microsoft.com/office/drawing/2014/main" id="{14B4C17A-D322-9344-A228-3D8313C78F80}"/>
               </a:ext>
             </a:extLst>
           </p:cNvPr>
@@ -7162,7 +7162,7 @@
           <p:cNvPr id="10" name="Picture 9">
             <a:extLst>
               <a:ext uri="{FF2B5EF4-FFF2-40B4-BE49-F238E27FC236}">
-                <a16:creationId xmlns:a16="http://schemas.microsoft.com/office/drawing/2014/main" xmlns="" id="{5E27D4B6-DB6E-B54A-BB85-21C4B971002F}"/>
+                <a16:creationId xmlns="" xmlns:a16="http://schemas.microsoft.com/office/drawing/2014/main" id="{5E27D4B6-DB6E-B54A-BB85-21C4B971002F}"/>
               </a:ext>
             </a:extLst>
           </p:cNvPr>
@@ -7397,7 +7397,7 @@
           <p:cNvPr id="11" name="Picture 10">
             <a:extLst>
               <a:ext uri="{FF2B5EF4-FFF2-40B4-BE49-F238E27FC236}">
-                <a16:creationId xmlns:a16="http://schemas.microsoft.com/office/drawing/2014/main" xmlns="" id="{21C48352-CB05-C94D-9653-C8D625166A90}"/>
+                <a16:creationId xmlns="" xmlns:a16="http://schemas.microsoft.com/office/drawing/2014/main" id="{21C48352-CB05-C94D-9653-C8D625166A90}"/>
               </a:ext>
             </a:extLst>
           </p:cNvPr>
@@ -7636,7 +7636,7 @@
           <p:cNvPr id="11" name="Picture 10">
             <a:extLst>
               <a:ext uri="{FF2B5EF4-FFF2-40B4-BE49-F238E27FC236}">
-                <a16:creationId xmlns:a16="http://schemas.microsoft.com/office/drawing/2014/main" xmlns="" id="{99620BAF-7C82-944B-B823-62174EBAC9C5}"/>
+                <a16:creationId xmlns="" xmlns:a16="http://schemas.microsoft.com/office/drawing/2014/main" id="{99620BAF-7C82-944B-B823-62174EBAC9C5}"/>
               </a:ext>
             </a:extLst>
           </p:cNvPr>
@@ -7852,7 +7852,7 @@
           <p:cNvPr id="9" name="Picture 8">
             <a:extLst>
               <a:ext uri="{FF2B5EF4-FFF2-40B4-BE49-F238E27FC236}">
-                <a16:creationId xmlns:a16="http://schemas.microsoft.com/office/drawing/2014/main" xmlns="" id="{0E4C3F81-1286-2343-825E-1C1DC9FFFE70}"/>
+                <a16:creationId xmlns="" xmlns:a16="http://schemas.microsoft.com/office/drawing/2014/main" id="{0E4C3F81-1286-2343-825E-1C1DC9FFFE70}"/>
               </a:ext>
             </a:extLst>
           </p:cNvPr>
@@ -8067,7 +8067,7 @@
           <p:cNvPr id="10" name="Picture 9">
             <a:extLst>
               <a:ext uri="{FF2B5EF4-FFF2-40B4-BE49-F238E27FC236}">
-                <a16:creationId xmlns:a16="http://schemas.microsoft.com/office/drawing/2014/main" xmlns="" id="{25CB5626-E7DE-0441-8505-C9A949A520AC}"/>
+                <a16:creationId xmlns="" xmlns:a16="http://schemas.microsoft.com/office/drawing/2014/main" id="{25CB5626-E7DE-0441-8505-C9A949A520AC}"/>
               </a:ext>
             </a:extLst>
           </p:cNvPr>
@@ -8201,7 +8201,7 @@
           <p:cNvPr id="9" name="Picture 8">
             <a:extLst>
               <a:ext uri="{FF2B5EF4-FFF2-40B4-BE49-F238E27FC236}">
-                <a16:creationId xmlns:a16="http://schemas.microsoft.com/office/drawing/2014/main" xmlns="" id="{4330C856-C7CA-A044-BC14-6EC8D0345058}"/>
+                <a16:creationId xmlns="" xmlns:a16="http://schemas.microsoft.com/office/drawing/2014/main" id="{4330C856-C7CA-A044-BC14-6EC8D0345058}"/>
               </a:ext>
             </a:extLst>
           </p:cNvPr>
@@ -8356,7 +8356,7 @@
           <p:cNvPr id="8" name="Picture 7">
             <a:extLst>
               <a:ext uri="{FF2B5EF4-FFF2-40B4-BE49-F238E27FC236}">
-                <a16:creationId xmlns:a16="http://schemas.microsoft.com/office/drawing/2014/main" xmlns="" id="{F9E50269-F8E6-4148-B80E-0223776D70F6}"/>
+                <a16:creationId xmlns="" xmlns:a16="http://schemas.microsoft.com/office/drawing/2014/main" id="{F9E50269-F8E6-4148-B80E-0223776D70F6}"/>
               </a:ext>
             </a:extLst>
           </p:cNvPr>
@@ -8576,7 +8576,7 @@
           <p:cNvPr id="9" name="Picture 8">
             <a:extLst>
               <a:ext uri="{FF2B5EF4-FFF2-40B4-BE49-F238E27FC236}">
-                <a16:creationId xmlns:a16="http://schemas.microsoft.com/office/drawing/2014/main" xmlns="" id="{260CEE9B-893F-134E-B42A-8D764C992FEC}"/>
+                <a16:creationId xmlns="" xmlns:a16="http://schemas.microsoft.com/office/drawing/2014/main" id="{260CEE9B-893F-134E-B42A-8D764C992FEC}"/>
               </a:ext>
             </a:extLst>
           </p:cNvPr>
@@ -8716,7 +8716,7 @@
           <p:cNvPr id="8" name="Picture 7">
             <a:extLst>
               <a:ext uri="{FF2B5EF4-FFF2-40B4-BE49-F238E27FC236}">
-                <a16:creationId xmlns:a16="http://schemas.microsoft.com/office/drawing/2014/main" xmlns="" id="{65D7D91A-4CE1-3A40-BA57-D0E173DC373B}"/>
+                <a16:creationId xmlns="" xmlns:a16="http://schemas.microsoft.com/office/drawing/2014/main" id="{65D7D91A-4CE1-3A40-BA57-D0E173DC373B}"/>
               </a:ext>
             </a:extLst>
           </p:cNvPr>
@@ -8846,7 +8846,7 @@
           <p:cNvPr id="7" name="Picture 6">
             <a:extLst>
               <a:ext uri="{FF2B5EF4-FFF2-40B4-BE49-F238E27FC236}">
-                <a16:creationId xmlns:a16="http://schemas.microsoft.com/office/drawing/2014/main" xmlns="" id="{21756ACC-7043-4944-897D-01F139E5110E}"/>
+                <a16:creationId xmlns="" xmlns:a16="http://schemas.microsoft.com/office/drawing/2014/main" id="{21756ACC-7043-4944-897D-01F139E5110E}"/>
               </a:ext>
             </a:extLst>
           </p:cNvPr>
@@ -9116,7 +9116,7 @@
           <p:cNvPr id="12" name="Picture 11">
             <a:extLst>
               <a:ext uri="{FF2B5EF4-FFF2-40B4-BE49-F238E27FC236}">
-                <a16:creationId xmlns:a16="http://schemas.microsoft.com/office/drawing/2014/main" xmlns="" id="{C6E6EC9F-3CD9-014D-A328-4D8211DDE183}"/>
+                <a16:creationId xmlns="" xmlns:a16="http://schemas.microsoft.com/office/drawing/2014/main" id="{C6E6EC9F-3CD9-014D-A328-4D8211DDE183}"/>
               </a:ext>
             </a:extLst>
           </p:cNvPr>
@@ -9366,7 +9366,7 @@
           <p:cNvPr id="12" name="Picture 11">
             <a:extLst>
               <a:ext uri="{FF2B5EF4-FFF2-40B4-BE49-F238E27FC236}">
-                <a16:creationId xmlns:a16="http://schemas.microsoft.com/office/drawing/2014/main" xmlns="" id="{B8D33195-21DF-E649-A974-B4C5E928B498}"/>
+                <a16:creationId xmlns="" xmlns:a16="http://schemas.microsoft.com/office/drawing/2014/main" id="{B8D33195-21DF-E649-A974-B4C5E928B498}"/>
               </a:ext>
             </a:extLst>
           </p:cNvPr>
@@ -9851,7 +9851,7 @@
           <p:cNvPr id="14" name="Picture 13">
             <a:extLst>
               <a:ext uri="{FF2B5EF4-FFF2-40B4-BE49-F238E27FC236}">
-                <a16:creationId xmlns:a16="http://schemas.microsoft.com/office/drawing/2014/main" xmlns="" id="{3D0A0AA9-FCBB-3B40-A698-787A4F68C52E}"/>
+                <a16:creationId xmlns="" xmlns:a16="http://schemas.microsoft.com/office/drawing/2014/main" id="{3D0A0AA9-FCBB-3B40-A698-787A4F68C52E}"/>
               </a:ext>
             </a:extLst>
           </p:cNvPr>
@@ -10077,7 +10077,7 @@
           <p:cNvPr id="11" name="Picture 10">
             <a:extLst>
               <a:ext uri="{FF2B5EF4-FFF2-40B4-BE49-F238E27FC236}">
-                <a16:creationId xmlns:a16="http://schemas.microsoft.com/office/drawing/2014/main" xmlns="" id="{120CFB97-BF3F-D44C-91B2-E4F6139B8A7B}"/>
+                <a16:creationId xmlns="" xmlns:a16="http://schemas.microsoft.com/office/drawing/2014/main" id="{120CFB97-BF3F-D44C-91B2-E4F6139B8A7B}"/>
               </a:ext>
             </a:extLst>
           </p:cNvPr>
@@ -10242,7 +10242,7 @@
           <p:cNvPr id="10" name="Picture 9">
             <a:extLst>
               <a:ext uri="{FF2B5EF4-FFF2-40B4-BE49-F238E27FC236}">
-                <a16:creationId xmlns:a16="http://schemas.microsoft.com/office/drawing/2014/main" xmlns="" id="{45FC60EE-ECCE-2646-9C9C-2330744AFD17}"/>
+                <a16:creationId xmlns="" xmlns:a16="http://schemas.microsoft.com/office/drawing/2014/main" id="{45FC60EE-ECCE-2646-9C9C-2330744AFD17}"/>
               </a:ext>
             </a:extLst>
           </p:cNvPr>
@@ -11617,12 +11617,12 @@
               </a:spcBef>
             </a:pPr>
             <a:r>
-              <a:rPr lang="en-US" dirty="0" err="1" smtClean="0"/>
-              <a:t>Blockchain</a:t>
-            </a:r>
-            <a:r>
               <a:rPr lang="en-US" dirty="0" smtClean="0"/>
-              <a:t> Developer</a:t>
+              <a:t>IBM Cloud </a:t>
+            </a:r>
+            <a:r>
+              <a:rPr lang="en-US" smtClean="0"/>
+              <a:t>Developer Advocate</a:t>
             </a:r>
             <a:endParaRPr lang="en-US" dirty="0" smtClean="0"/>
           </a:p>
@@ -11751,7 +11751,6 @@
               <a:rPr lang="en-US" dirty="0"/>
               <a:t>Walking on a Cloud / August 02, 2018 / © 2018 IBM Corporation</a:t>
             </a:r>
-            <a:endParaRPr lang="en-US" dirty="0"/>
           </a:p>
         </p:txBody>
       </p:sp>
@@ -11760,7 +11759,7 @@
           <p:cNvPr id="5" name="Title 3">
             <a:extLst>
               <a:ext uri="{FF2B5EF4-FFF2-40B4-BE49-F238E27FC236}">
-                <a16:creationId xmlns="" xmlns:a16="http://schemas.microsoft.com/office/drawing/2014/main" id="{96ECBF50-6F8F-4748-A658-12E4B3B2452F}"/>
+                <a16:creationId xmlns:a16="http://schemas.microsoft.com/office/drawing/2014/main" xmlns="" id="{96ECBF50-6F8F-4748-A658-12E4B3B2452F}"/>
               </a:ext>
             </a:extLst>
           </p:cNvPr>
@@ -12267,7 +12266,6 @@
               <a:rPr lang="en-US" dirty="0"/>
               <a:t>Walking on a Cloud / August 02, 2018 / © 2018 IBM Corporation</a:t>
             </a:r>
-            <a:endParaRPr lang="en-US" dirty="0"/>
           </a:p>
         </p:txBody>
       </p:sp>
@@ -12467,7 +12465,6 @@
               <a:rPr lang="en-US" dirty="0"/>
               <a:t>Walking on a Cloud / August 02, 2018 / © 2018 IBM Corporation</a:t>
             </a:r>
-            <a:endParaRPr lang="en-US" dirty="0"/>
           </a:p>
         </p:txBody>
       </p:sp>
@@ -12608,7 +12605,6 @@
               <a:rPr lang="en-US" dirty="0"/>
               <a:t>Walking on a Cloud / August 02, 2018 / © 2018 IBM Corporation</a:t>
             </a:r>
-            <a:endParaRPr lang="en-US" dirty="0"/>
           </a:p>
         </p:txBody>
       </p:sp>
@@ -12764,7 +12760,6 @@
               <a:rPr lang="en-US" dirty="0"/>
               <a:t>Walking on a Cloud / August 02, 2018 / © 2018 IBM Corporation</a:t>
             </a:r>
-            <a:endParaRPr lang="en-US" dirty="0"/>
           </a:p>
         </p:txBody>
       </p:sp>
@@ -12840,7 +12835,6 @@
               <a:rPr lang="en-US" dirty="0"/>
               <a:t>Walking on a Cloud / August 02, 2018 / © 2018 IBM Corporation</a:t>
             </a:r>
-            <a:endParaRPr lang="en-US" dirty="0"/>
           </a:p>
         </p:txBody>
       </p:sp>
@@ -12947,7 +12941,6 @@
               <a:rPr lang="en-US" dirty="0"/>
               <a:t>Walking on a Cloud / August 02, 2018 / © 2018 IBM Corporation</a:t>
             </a:r>
-            <a:endParaRPr lang="en-US" dirty="0"/>
           </a:p>
         </p:txBody>
       </p:sp>
@@ -13158,7 +13151,6 @@
               <a:rPr lang="en-US" dirty="0"/>
               <a:t>Walking on a Cloud / August 02, 2018 / © 2018 IBM Corporation</a:t>
             </a:r>
-            <a:endParaRPr lang="en-US" dirty="0"/>
           </a:p>
         </p:txBody>
       </p:sp>
@@ -13373,7 +13365,6 @@
               <a:rPr lang="en-US" dirty="0"/>
               <a:t>Walking on a Cloud / August 02, 2018 / © 2018 IBM Corporation</a:t>
             </a:r>
-            <a:endParaRPr lang="en-US" dirty="0"/>
           </a:p>
         </p:txBody>
       </p:sp>
@@ -13578,7 +13569,6 @@
               <a:rPr lang="en-US" dirty="0"/>
               <a:t>Walking on a Cloud / August 02, 2018 / © 2018 IBM Corporation</a:t>
             </a:r>
-            <a:endParaRPr lang="en-US" dirty="0"/>
           </a:p>
         </p:txBody>
       </p:sp>
@@ -13587,7 +13577,7 @@
           <p:cNvPr id="4" name="Title 2">
             <a:extLst>
               <a:ext uri="{FF2B5EF4-FFF2-40B4-BE49-F238E27FC236}">
-                <a16:creationId xmlns="" xmlns:a16="http://schemas.microsoft.com/office/drawing/2014/main" id="{D51190C4-53B6-46DF-827A-4A782A16C3CF}"/>
+                <a16:creationId xmlns:a16="http://schemas.microsoft.com/office/drawing/2014/main" xmlns="" id="{D51190C4-53B6-46DF-827A-4A782A16C3CF}"/>
               </a:ext>
             </a:extLst>
           </p:cNvPr>
@@ -13647,7 +13637,7 @@
           <p:cNvPr id="5" name="Text Placeholder 4">
             <a:extLst>
               <a:ext uri="{FF2B5EF4-FFF2-40B4-BE49-F238E27FC236}">
-                <a16:creationId xmlns="" xmlns:a16="http://schemas.microsoft.com/office/drawing/2014/main" id="{7AB2E365-AED6-4724-BCDB-7A5930DB5E09}"/>
+                <a16:creationId xmlns:a16="http://schemas.microsoft.com/office/drawing/2014/main" xmlns="" id="{7AB2E365-AED6-4724-BCDB-7A5930DB5E09}"/>
               </a:ext>
             </a:extLst>
           </p:cNvPr>
@@ -13863,7 +13853,7 @@
           <p:cNvPr id="6" name="Content Placeholder 3">
             <a:extLst>
               <a:ext uri="{FF2B5EF4-FFF2-40B4-BE49-F238E27FC236}">
-                <a16:creationId xmlns="" xmlns:a16="http://schemas.microsoft.com/office/drawing/2014/main" id="{B8CF50F1-0B8F-496F-BDDC-94CF2098D9C9}"/>
+                <a16:creationId xmlns:a16="http://schemas.microsoft.com/office/drawing/2014/main" xmlns="" id="{B8CF50F1-0B8F-496F-BDDC-94CF2098D9C9}"/>
               </a:ext>
             </a:extLst>
           </p:cNvPr>
@@ -14089,7 +14079,7 @@
           <p:cNvPr id="7" name="Rectangle 6">
             <a:extLst>
               <a:ext uri="{FF2B5EF4-FFF2-40B4-BE49-F238E27FC236}">
-                <a16:creationId xmlns="" xmlns:a16="http://schemas.microsoft.com/office/drawing/2014/main" id="{28DAC38E-D218-49B8-8888-503F8FF307E2}"/>
+                <a16:creationId xmlns:a16="http://schemas.microsoft.com/office/drawing/2014/main" xmlns="" id="{28DAC38E-D218-49B8-8888-503F8FF307E2}"/>
               </a:ext>
             </a:extLst>
           </p:cNvPr>
@@ -14136,7 +14126,7 @@
           <p:cNvPr id="8" name="Picture 7">
             <a:extLst>
               <a:ext uri="{FF2B5EF4-FFF2-40B4-BE49-F238E27FC236}">
-                <a16:creationId xmlns="" xmlns:a16="http://schemas.microsoft.com/office/drawing/2014/main" id="{1AADE47C-9CAF-4991-B39B-34C3F7BF9E07}"/>
+                <a16:creationId xmlns:a16="http://schemas.microsoft.com/office/drawing/2014/main" xmlns="" id="{1AADE47C-9CAF-4991-B39B-34C3F7BF9E07}"/>
               </a:ext>
             </a:extLst>
           </p:cNvPr>
@@ -14233,7 +14223,6 @@
               <a:rPr lang="en-US" dirty="0"/>
               <a:t>Walking on a Cloud / August 02, 2018 / © 2018 IBM Corporation</a:t>
             </a:r>
-            <a:endParaRPr lang="en-US" dirty="0"/>
           </a:p>
         </p:txBody>
       </p:sp>
@@ -14242,7 +14231,7 @@
           <p:cNvPr id="5" name="Title 3">
             <a:extLst>
               <a:ext uri="{FF2B5EF4-FFF2-40B4-BE49-F238E27FC236}">
-                <a16:creationId xmlns="" xmlns:a16="http://schemas.microsoft.com/office/drawing/2014/main" id="{96ECBF50-6F8F-4748-A658-12E4B3B2452F}"/>
+                <a16:creationId xmlns:a16="http://schemas.microsoft.com/office/drawing/2014/main" xmlns="" id="{96ECBF50-6F8F-4748-A658-12E4B3B2452F}"/>
               </a:ext>
             </a:extLst>
           </p:cNvPr>

--- a/WalkingOnACloud.pptx
+++ b/WalkingOnACloud.pptx
@@ -11618,11 +11618,7 @@
             </a:pPr>
             <a:r>
               <a:rPr lang="en-US" dirty="0" smtClean="0"/>
-              <a:t>IBM Cloud </a:t>
-            </a:r>
-            <a:r>
-              <a:rPr lang="en-US" smtClean="0"/>
-              <a:t>Developer Advocate</a:t>
+              <a:t>IBM Cloud Developer Advocate</a:t>
             </a:r>
             <a:endParaRPr lang="en-US" dirty="0" smtClean="0"/>
           </a:p>
@@ -11785,7 +11781,13 @@
               <a:rPr lang="en-GB" dirty="0" smtClean="0">
                 <a:latin typeface="IBM Plex Sans" panose="020B0503050000000000" pitchFamily="34" charset="0"/>
               </a:rPr>
-              <a:t>Download this Repository:</a:t>
+              <a:t>Clone this </a:t>
+            </a:r>
+            <a:r>
+              <a:rPr lang="en-GB" dirty="0" smtClean="0">
+                <a:latin typeface="IBM Plex Sans" panose="020B0503050000000000" pitchFamily="34" charset="0"/>
+              </a:rPr>
+              <a:t>Repository:</a:t>
             </a:r>
             <a:r>
               <a:rPr lang="en-GB" dirty="0">
